--- a/Algorithm Design and Analysis/seminar/pre/paper/Mathematical-03.pptx
+++ b/Algorithm Design and Analysis/seminar/pre/paper/Mathematical-03.pptx
@@ -15,6 +15,16 @@
     <p:sldId id="265" r:id="rId10"/>
     <p:sldId id="266" r:id="rId11"/>
     <p:sldId id="267" r:id="rId12"/>
+    <p:sldId id="270" r:id="rId13"/>
+    <p:sldId id="271" r:id="rId14"/>
+    <p:sldId id="272" r:id="rId15"/>
+    <p:sldId id="273" r:id="rId16"/>
+    <p:sldId id="274" r:id="rId17"/>
+    <p:sldId id="275" r:id="rId18"/>
+    <p:sldId id="276" r:id="rId19"/>
+    <p:sldId id="277" r:id="rId20"/>
+    <p:sldId id="278" r:id="rId21"/>
+    <p:sldId id="279" r:id="rId22"/>
   </p:sldIdLst>
   <p:sldSz cx="12192000" cy="6858000"/>
   <p:notesSz cx="6858000" cy="9144000"/>
@@ -3021,10 +3031,1032 @@
         <p:txBody>
           <a:bodyPr/>
           <a:p>
-            <a:endParaRPr lang="zh-CN" altLang="en-US"/>
-          </a:p>
-        </p:txBody>
-      </p:sp>
+            <a:r>
+              <a:rPr lang="zh-CN" altLang="en-US"/>
+              <a:t>类似对快排时间复杂度的分析</a:t>
+            </a:r>
+            <a:endParaRPr lang="zh-CN" altLang="en-US"/>
+          </a:p>
+        </p:txBody>
+      </p:sp>
+      <p:pic>
+        <p:nvPicPr>
+          <p:cNvPr id="4" name="图片 3" descr="C:\Users\AndrewHuang\Documents\GitHub\course_pku\Algorithm Design and Analysis\seminar\pre\paper\7.png7"/>
+          <p:cNvPicPr>
+            <a:picLocks noChangeAspect="1"/>
+          </p:cNvPicPr>
+          <p:nvPr/>
+        </p:nvPicPr>
+        <p:blipFill>
+          <a:blip r:embed="rId1"/>
+          <a:srcRect/>
+          <a:stretch>
+            <a:fillRect/>
+          </a:stretch>
+        </p:blipFill>
+        <p:spPr>
+          <a:xfrm>
+            <a:off x="1679893" y="2331720"/>
+            <a:ext cx="8292465" cy="4105275"/>
+          </a:xfrm>
+          <a:prstGeom prst="rect">
+            <a:avLst/>
+          </a:prstGeom>
+        </p:spPr>
+      </p:pic>
+    </p:spTree>
+  </p:cSld>
+  <p:clrMapOvr>
+    <a:masterClrMapping/>
+  </p:clrMapOvr>
+</p:sld>
+</file>
+
+<file path=ppt/slides/slide11.xml><?xml version="1.0" encoding="utf-8"?>
+<p:sld xmlns:a="http://schemas.openxmlformats.org/drawingml/2006/main" xmlns:r="http://schemas.openxmlformats.org/officeDocument/2006/relationships" xmlns:p="http://schemas.openxmlformats.org/presentationml/2006/main">
+  <p:cSld>
+    <p:spTree>
+      <p:nvGrpSpPr>
+        <p:cNvPr id="1" name=""/>
+        <p:cNvGrpSpPr/>
+        <p:nvPr/>
+      </p:nvGrpSpPr>
+      <p:grpSpPr/>
+      <p:sp>
+        <p:nvSpPr>
+          <p:cNvPr id="2" name="标题 1"/>
+          <p:cNvSpPr>
+            <a:spLocks noGrp="1"/>
+          </p:cNvSpPr>
+          <p:nvPr>
+            <p:ph type="title"/>
+          </p:nvPr>
+        </p:nvSpPr>
+        <p:spPr/>
+        <p:txBody>
+          <a:bodyPr/>
+          <a:p>
+            <a:r>
+              <a:rPr lang="zh-CN" altLang="en-US"/>
+              <a:t>边界条件</a:t>
+            </a:r>
+            <a:endParaRPr lang="zh-CN" altLang="en-US"/>
+          </a:p>
+        </p:txBody>
+      </p:sp>
+      <p:sp>
+        <p:nvSpPr>
+          <p:cNvPr id="3" name="内容占位符 2"/>
+          <p:cNvSpPr>
+            <a:spLocks noGrp="1"/>
+          </p:cNvSpPr>
+          <p:nvPr>
+            <p:ph idx="1"/>
+          </p:nvPr>
+        </p:nvSpPr>
+        <p:spPr/>
+        <p:txBody>
+          <a:bodyPr/>
+          <a:p>
+            <a:r>
+              <a:rPr lang="zh-CN" altLang="en-US"/>
+              <a:t>类似对快排时间复杂度的分析</a:t>
+            </a:r>
+            <a:endParaRPr lang="zh-CN" altLang="en-US"/>
+          </a:p>
+        </p:txBody>
+      </p:sp>
+      <p:pic>
+        <p:nvPicPr>
+          <p:cNvPr id="4" name="图片 3" descr="C:\Users\AndrewHuang\Documents\GitHub\course_pku\Algorithm Design and Analysis\seminar\pre\paper\8.png8"/>
+          <p:cNvPicPr>
+            <a:picLocks noChangeAspect="1"/>
+          </p:cNvPicPr>
+          <p:nvPr/>
+        </p:nvPicPr>
+        <p:blipFill>
+          <a:blip r:embed="rId1"/>
+          <a:srcRect/>
+          <a:stretch>
+            <a:fillRect/>
+          </a:stretch>
+        </p:blipFill>
+        <p:spPr>
+          <a:xfrm>
+            <a:off x="3500438" y="2331720"/>
+            <a:ext cx="4651375" cy="4105275"/>
+          </a:xfrm>
+          <a:prstGeom prst="rect">
+            <a:avLst/>
+          </a:prstGeom>
+        </p:spPr>
+      </p:pic>
+    </p:spTree>
+  </p:cSld>
+  <p:clrMapOvr>
+    <a:masterClrMapping/>
+  </p:clrMapOvr>
+</p:sld>
+</file>
+
+<file path=ppt/slides/slide12.xml><?xml version="1.0" encoding="utf-8"?>
+<p:sld xmlns:a="http://schemas.openxmlformats.org/drawingml/2006/main" xmlns:r="http://schemas.openxmlformats.org/officeDocument/2006/relationships" xmlns:p="http://schemas.openxmlformats.org/presentationml/2006/main">
+  <p:cSld>
+    <p:spTree>
+      <p:nvGrpSpPr>
+        <p:cNvPr id="1" name=""/>
+        <p:cNvGrpSpPr/>
+        <p:nvPr/>
+      </p:nvGrpSpPr>
+      <p:grpSpPr/>
+      <p:sp>
+        <p:nvSpPr>
+          <p:cNvPr id="2" name="标题 1"/>
+          <p:cNvSpPr>
+            <a:spLocks noGrp="1"/>
+          </p:cNvSpPr>
+          <p:nvPr>
+            <p:ph type="title"/>
+          </p:nvPr>
+        </p:nvSpPr>
+        <p:spPr/>
+        <p:txBody>
+          <a:bodyPr/>
+          <a:p>
+            <a:r>
+              <a:rPr lang="zh-CN" altLang="en-US"/>
+              <a:t>解递推方程</a:t>
+            </a:r>
+            <a:endParaRPr lang="zh-CN" altLang="en-US"/>
+          </a:p>
+        </p:txBody>
+      </p:sp>
+      <p:sp>
+        <p:nvSpPr>
+          <p:cNvPr id="3" name="内容占位符 2"/>
+          <p:cNvSpPr>
+            <a:spLocks noGrp="1"/>
+          </p:cNvSpPr>
+          <p:nvPr>
+            <p:ph idx="1"/>
+          </p:nvPr>
+        </p:nvSpPr>
+        <p:spPr/>
+        <p:txBody>
+          <a:bodyPr/>
+          <a:p>
+            <a:r>
+              <a:rPr lang="zh-CN" altLang="en-US"/>
+              <a:t>这样就可以求解刚才的方程了</a:t>
+            </a:r>
+            <a:endParaRPr lang="zh-CN" altLang="en-US"/>
+          </a:p>
+        </p:txBody>
+      </p:sp>
+      <p:pic>
+        <p:nvPicPr>
+          <p:cNvPr id="4" name="图片 3" descr="9"/>
+          <p:cNvPicPr>
+            <a:picLocks noChangeAspect="1"/>
+          </p:cNvPicPr>
+          <p:nvPr/>
+        </p:nvPicPr>
+        <p:blipFill>
+          <a:blip r:embed="rId1"/>
+          <a:stretch>
+            <a:fillRect/>
+          </a:stretch>
+        </p:blipFill>
+        <p:spPr>
+          <a:xfrm>
+            <a:off x="1810385" y="2529840"/>
+            <a:ext cx="8571230" cy="3647440"/>
+          </a:xfrm>
+          <a:prstGeom prst="rect">
+            <a:avLst/>
+          </a:prstGeom>
+        </p:spPr>
+      </p:pic>
+    </p:spTree>
+  </p:cSld>
+  <p:clrMapOvr>
+    <a:masterClrMapping/>
+  </p:clrMapOvr>
+</p:sld>
+</file>
+
+<file path=ppt/slides/slide13.xml><?xml version="1.0" encoding="utf-8"?>
+<p:sld xmlns:a="http://schemas.openxmlformats.org/drawingml/2006/main" xmlns:r="http://schemas.openxmlformats.org/officeDocument/2006/relationships" xmlns:p="http://schemas.openxmlformats.org/presentationml/2006/main">
+  <p:cSld>
+    <p:spTree>
+      <p:nvGrpSpPr>
+        <p:cNvPr id="1" name=""/>
+        <p:cNvGrpSpPr/>
+        <p:nvPr/>
+      </p:nvGrpSpPr>
+      <p:grpSpPr/>
+      <p:sp>
+        <p:nvSpPr>
+          <p:cNvPr id="2" name="标题 1"/>
+          <p:cNvSpPr>
+            <a:spLocks noGrp="1"/>
+          </p:cNvSpPr>
+          <p:nvPr>
+            <p:ph type="title"/>
+          </p:nvPr>
+        </p:nvSpPr>
+        <p:spPr/>
+        <p:txBody>
+          <a:bodyPr/>
+          <a:p>
+            <a:r>
+              <a:rPr lang="zh-CN" altLang="en-US"/>
+              <a:t>解递推方程</a:t>
+            </a:r>
+            <a:endParaRPr lang="zh-CN" altLang="en-US"/>
+          </a:p>
+        </p:txBody>
+      </p:sp>
+      <p:sp>
+        <p:nvSpPr>
+          <p:cNvPr id="3" name="内容占位符 2"/>
+          <p:cNvSpPr>
+            <a:spLocks noGrp="1"/>
+          </p:cNvSpPr>
+          <p:nvPr>
+            <p:ph idx="1"/>
+          </p:nvPr>
+        </p:nvSpPr>
+        <p:spPr/>
+        <p:txBody>
+          <a:bodyPr/>
+          <a:p>
+            <a:r>
+              <a:rPr lang="zh-CN" altLang="en-US"/>
+              <a:t>这同样是一个递推式</a:t>
+            </a:r>
+            <a:endParaRPr lang="zh-CN" altLang="en-US"/>
+          </a:p>
+        </p:txBody>
+      </p:sp>
+      <p:pic>
+        <p:nvPicPr>
+          <p:cNvPr id="4" name="图片 3" descr="10"/>
+          <p:cNvPicPr>
+            <a:picLocks noChangeAspect="1"/>
+          </p:cNvPicPr>
+          <p:nvPr/>
+        </p:nvPicPr>
+        <p:blipFill>
+          <a:blip r:embed="rId1"/>
+          <a:stretch>
+            <a:fillRect/>
+          </a:stretch>
+        </p:blipFill>
+        <p:spPr>
+          <a:xfrm>
+            <a:off x="1296035" y="2665095"/>
+            <a:ext cx="10057765" cy="3113405"/>
+          </a:xfrm>
+          <a:prstGeom prst="rect">
+            <a:avLst/>
+          </a:prstGeom>
+        </p:spPr>
+      </p:pic>
+    </p:spTree>
+  </p:cSld>
+  <p:clrMapOvr>
+    <a:masterClrMapping/>
+  </p:clrMapOvr>
+</p:sld>
+</file>
+
+<file path=ppt/slides/slide14.xml><?xml version="1.0" encoding="utf-8"?>
+<p:sld xmlns:a="http://schemas.openxmlformats.org/drawingml/2006/main" xmlns:r="http://schemas.openxmlformats.org/officeDocument/2006/relationships" xmlns:p="http://schemas.openxmlformats.org/presentationml/2006/main">
+  <p:cSld>
+    <p:spTree>
+      <p:nvGrpSpPr>
+        <p:cNvPr id="1" name=""/>
+        <p:cNvGrpSpPr/>
+        <p:nvPr/>
+      </p:nvGrpSpPr>
+      <p:grpSpPr/>
+      <p:sp>
+        <p:nvSpPr>
+          <p:cNvPr id="2" name="标题 1"/>
+          <p:cNvSpPr>
+            <a:spLocks noGrp="1"/>
+          </p:cNvSpPr>
+          <p:nvPr>
+            <p:ph type="title"/>
+          </p:nvPr>
+        </p:nvSpPr>
+        <p:spPr/>
+        <p:txBody>
+          <a:bodyPr/>
+          <a:p>
+            <a:r>
+              <a:rPr lang="zh-CN" altLang="en-US"/>
+              <a:t>解递推方程</a:t>
+            </a:r>
+            <a:endParaRPr lang="zh-CN" altLang="en-US"/>
+          </a:p>
+        </p:txBody>
+      </p:sp>
+      <p:sp>
+        <p:nvSpPr>
+          <p:cNvPr id="3" name="内容占位符 2"/>
+          <p:cNvSpPr>
+            <a:spLocks noGrp="1"/>
+          </p:cNvSpPr>
+          <p:nvPr>
+            <p:ph idx="1"/>
+          </p:nvPr>
+        </p:nvSpPr>
+        <p:spPr/>
+        <p:txBody>
+          <a:bodyPr/>
+          <a:p>
+            <a:r>
+              <a:rPr lang="zh-CN" altLang="en-US"/>
+              <a:t>归纳</a:t>
+            </a:r>
+            <a:endParaRPr lang="zh-CN" altLang="en-US"/>
+          </a:p>
+        </p:txBody>
+      </p:sp>
+      <p:pic>
+        <p:nvPicPr>
+          <p:cNvPr id="4" name="图片 3" descr="11"/>
+          <p:cNvPicPr>
+            <a:picLocks noChangeAspect="1"/>
+          </p:cNvPicPr>
+          <p:nvPr/>
+        </p:nvPicPr>
+        <p:blipFill>
+          <a:blip r:embed="rId1"/>
+          <a:stretch>
+            <a:fillRect/>
+          </a:stretch>
+        </p:blipFill>
+        <p:spPr>
+          <a:xfrm>
+            <a:off x="1066800" y="2546350"/>
+            <a:ext cx="10058400" cy="1437005"/>
+          </a:xfrm>
+          <a:prstGeom prst="rect">
+            <a:avLst/>
+          </a:prstGeom>
+        </p:spPr>
+      </p:pic>
+      <p:pic>
+        <p:nvPicPr>
+          <p:cNvPr id="5" name="图片 4" descr="12"/>
+          <p:cNvPicPr>
+            <a:picLocks noChangeAspect="1"/>
+          </p:cNvPicPr>
+          <p:nvPr/>
+        </p:nvPicPr>
+        <p:blipFill>
+          <a:blip r:embed="rId2"/>
+          <a:stretch>
+            <a:fillRect/>
+          </a:stretch>
+        </p:blipFill>
+        <p:spPr>
+          <a:xfrm>
+            <a:off x="1664970" y="4375150"/>
+            <a:ext cx="8862060" cy="2033905"/>
+          </a:xfrm>
+          <a:prstGeom prst="rect">
+            <a:avLst/>
+          </a:prstGeom>
+        </p:spPr>
+      </p:pic>
+    </p:spTree>
+  </p:cSld>
+  <p:clrMapOvr>
+    <a:masterClrMapping/>
+  </p:clrMapOvr>
+</p:sld>
+</file>
+
+<file path=ppt/slides/slide15.xml><?xml version="1.0" encoding="utf-8"?>
+<p:sld xmlns:a="http://schemas.openxmlformats.org/drawingml/2006/main" xmlns:r="http://schemas.openxmlformats.org/officeDocument/2006/relationships" xmlns:p="http://schemas.openxmlformats.org/presentationml/2006/main">
+  <p:cSld>
+    <p:spTree>
+      <p:nvGrpSpPr>
+        <p:cNvPr id="1" name=""/>
+        <p:cNvGrpSpPr/>
+        <p:nvPr/>
+      </p:nvGrpSpPr>
+      <p:grpSpPr/>
+      <p:sp>
+        <p:nvSpPr>
+          <p:cNvPr id="2" name="标题 1"/>
+          <p:cNvSpPr>
+            <a:spLocks noGrp="1"/>
+          </p:cNvSpPr>
+          <p:nvPr>
+            <p:ph type="title"/>
+          </p:nvPr>
+        </p:nvSpPr>
+        <p:spPr/>
+        <p:txBody>
+          <a:bodyPr/>
+          <a:p>
+            <a:r>
+              <a:rPr lang="zh-CN" altLang="en-US"/>
+              <a:t>求中位数</a:t>
+            </a:r>
+            <a:endParaRPr lang="zh-CN" altLang="en-US"/>
+          </a:p>
+        </p:txBody>
+      </p:sp>
+      <p:sp>
+        <p:nvSpPr>
+          <p:cNvPr id="3" name="内容占位符 2"/>
+          <p:cNvSpPr>
+            <a:spLocks noGrp="1"/>
+          </p:cNvSpPr>
+          <p:nvPr>
+            <p:ph idx="1"/>
+          </p:nvPr>
+        </p:nvSpPr>
+        <p:spPr>
+          <a:xfrm>
+            <a:off x="837565" y="1838960"/>
+            <a:ext cx="10515600" cy="4351338"/>
+          </a:xfrm>
+        </p:spPr>
+        <p:txBody>
+          <a:bodyPr/>
+          <a:p>
+            <a:r>
+              <a:rPr lang="zh-CN" altLang="en-US"/>
+              <a:t>将</a:t>
+            </a:r>
+            <a:r>
+              <a:rPr lang="en-US" altLang="zh-CN"/>
+              <a:t>n = 2t - 1</a:t>
+            </a:r>
+            <a:r>
+              <a:rPr lang="zh-CN" altLang="en-US"/>
+              <a:t>带入</a:t>
+            </a:r>
+            <a:endParaRPr lang="zh-CN" altLang="en-US"/>
+          </a:p>
+        </p:txBody>
+      </p:sp>
+      <p:pic>
+        <p:nvPicPr>
+          <p:cNvPr id="4" name="图片 3" descr="13"/>
+          <p:cNvPicPr>
+            <a:picLocks noChangeAspect="1"/>
+          </p:cNvPicPr>
+          <p:nvPr/>
+        </p:nvPicPr>
+        <p:blipFill>
+          <a:blip r:embed="rId1"/>
+          <a:stretch>
+            <a:fillRect/>
+          </a:stretch>
+        </p:blipFill>
+        <p:spPr>
+          <a:xfrm>
+            <a:off x="1691005" y="2842895"/>
+            <a:ext cx="8809355" cy="1171575"/>
+          </a:xfrm>
+          <a:prstGeom prst="rect">
+            <a:avLst/>
+          </a:prstGeom>
+        </p:spPr>
+      </p:pic>
+      <p:pic>
+        <p:nvPicPr>
+          <p:cNvPr id="5" name="图片 4" descr="C:\Users\AndrewHuang\Documents\GitHub\course_pku\Algorithm Design and Analysis\seminar\pre\paper\14.png14"/>
+          <p:cNvPicPr>
+            <a:picLocks noChangeAspect="1"/>
+          </p:cNvPicPr>
+          <p:nvPr/>
+        </p:nvPicPr>
+        <p:blipFill>
+          <a:blip r:embed="rId2"/>
+          <a:srcRect/>
+          <a:stretch>
+            <a:fillRect/>
+          </a:stretch>
+        </p:blipFill>
+        <p:spPr>
+          <a:xfrm>
+            <a:off x="1691005" y="4820920"/>
+            <a:ext cx="8317865" cy="1083945"/>
+          </a:xfrm>
+          <a:prstGeom prst="rect">
+            <a:avLst/>
+          </a:prstGeom>
+        </p:spPr>
+      </p:pic>
+    </p:spTree>
+  </p:cSld>
+  <p:clrMapOvr>
+    <a:masterClrMapping/>
+  </p:clrMapOvr>
+</p:sld>
+</file>
+
+<file path=ppt/slides/slide16.xml><?xml version="1.0" encoding="utf-8"?>
+<p:sld xmlns:a="http://schemas.openxmlformats.org/drawingml/2006/main" xmlns:r="http://schemas.openxmlformats.org/officeDocument/2006/relationships" xmlns:p="http://schemas.openxmlformats.org/presentationml/2006/main">
+  <p:cSld>
+    <p:spTree>
+      <p:nvGrpSpPr>
+        <p:cNvPr id="1" name=""/>
+        <p:cNvGrpSpPr/>
+        <p:nvPr/>
+      </p:nvGrpSpPr>
+      <p:grpSpPr/>
+      <p:sp>
+        <p:nvSpPr>
+          <p:cNvPr id="2" name="标题 1"/>
+          <p:cNvSpPr>
+            <a:spLocks noGrp="1"/>
+          </p:cNvSpPr>
+          <p:nvPr>
+            <p:ph type="title"/>
+          </p:nvPr>
+        </p:nvSpPr>
+        <p:spPr/>
+        <p:txBody>
+          <a:bodyPr>
+            <a:normAutofit/>
+          </a:bodyPr>
+          <a:p>
+            <a:r>
+              <a:rPr lang="en-US" altLang="zh-CN"/>
+              <a:t>Type B?</a:t>
+            </a:r>
+            <a:endParaRPr lang="en-US" altLang="zh-CN"/>
+          </a:p>
+        </p:txBody>
+      </p:sp>
+      <p:sp>
+        <p:nvSpPr>
+          <p:cNvPr id="3" name="内容占位符 2"/>
+          <p:cNvSpPr>
+            <a:spLocks noGrp="1"/>
+          </p:cNvSpPr>
+          <p:nvPr>
+            <p:ph idx="1"/>
+          </p:nvPr>
+        </p:nvSpPr>
+        <p:spPr/>
+        <p:txBody>
+          <a:bodyPr/>
+          <a:p>
+            <a:r>
+              <a:rPr lang="zh-CN" altLang="en-US"/>
+              <a:t>比较次数的界在哪里</a:t>
+            </a:r>
+            <a:r>
+              <a:rPr lang="en-US" altLang="zh-CN"/>
+              <a:t>?</a:t>
+            </a:r>
+            <a:endParaRPr lang="en-US" altLang="zh-CN"/>
+          </a:p>
+          <a:p>
+            <a:pPr lvl="1"/>
+            <a:r>
+              <a:rPr lang="en-US" altLang="zh-CN"/>
+              <a:t>t = 1   ==&gt;   n - 1</a:t>
+            </a:r>
+            <a:endParaRPr lang="en-US" altLang="zh-CN"/>
+          </a:p>
+          <a:p>
+            <a:pPr lvl="1"/>
+            <a:r>
+              <a:rPr lang="en-US" altLang="zh-CN"/>
+              <a:t>t = 2   ==&gt;   n - 2 + [log</a:t>
+            </a:r>
+            <a:r>
+              <a:rPr lang="en-US" altLang="zh-CN" baseline="-25000"/>
+              <a:t>2</a:t>
+            </a:r>
+            <a:r>
+              <a:rPr lang="en-US" altLang="zh-CN"/>
+              <a:t> n]</a:t>
+            </a:r>
+            <a:endParaRPr lang="en-US" altLang="zh-CN"/>
+          </a:p>
+          <a:p>
+            <a:pPr lvl="1"/>
+            <a:r>
+              <a:rPr lang="en-US" altLang="zh-CN"/>
+              <a:t>t = 3   ==&gt;   ???</a:t>
+            </a:r>
+            <a:endParaRPr lang="en-US" altLang="zh-CN"/>
+          </a:p>
+          <a:p>
+            <a:endParaRPr lang="en-US" altLang="zh-CN"/>
+          </a:p>
+          <a:p>
+            <a:endParaRPr lang="en-US" altLang="zh-CN"/>
+          </a:p>
+        </p:txBody>
+      </p:sp>
+      <p:pic>
+        <p:nvPicPr>
+          <p:cNvPr id="4" name="图片 3" descr="15"/>
+          <p:cNvPicPr>
+            <a:picLocks noChangeAspect="1"/>
+          </p:cNvPicPr>
+          <p:nvPr/>
+        </p:nvPicPr>
+        <p:blipFill>
+          <a:blip r:embed="rId1"/>
+          <a:stretch>
+            <a:fillRect/>
+          </a:stretch>
+        </p:blipFill>
+        <p:spPr>
+          <a:xfrm>
+            <a:off x="3674110" y="3581400"/>
+            <a:ext cx="7679690" cy="2595880"/>
+          </a:xfrm>
+          <a:prstGeom prst="rect">
+            <a:avLst/>
+          </a:prstGeom>
+        </p:spPr>
+      </p:pic>
+    </p:spTree>
+  </p:cSld>
+  <p:clrMapOvr>
+    <a:masterClrMapping/>
+  </p:clrMapOvr>
+</p:sld>
+</file>
+
+<file path=ppt/slides/slide17.xml><?xml version="1.0" encoding="utf-8"?>
+<p:sld xmlns:a="http://schemas.openxmlformats.org/drawingml/2006/main" xmlns:r="http://schemas.openxmlformats.org/officeDocument/2006/relationships" xmlns:p="http://schemas.openxmlformats.org/presentationml/2006/main">
+  <p:cSld>
+    <p:spTree>
+      <p:nvGrpSpPr>
+        <p:cNvPr id="1" name=""/>
+        <p:cNvGrpSpPr/>
+        <p:nvPr/>
+      </p:nvGrpSpPr>
+      <p:grpSpPr/>
+      <p:sp>
+        <p:nvSpPr>
+          <p:cNvPr id="2" name="标题 1"/>
+          <p:cNvSpPr>
+            <a:spLocks noGrp="1"/>
+          </p:cNvSpPr>
+          <p:nvPr>
+            <p:ph type="title"/>
+          </p:nvPr>
+        </p:nvSpPr>
+        <p:spPr/>
+        <p:txBody>
+          <a:bodyPr/>
+          <a:p>
+            <a:r>
+              <a:rPr lang="en-US" altLang="zh-CN"/>
+              <a:t>Type B?</a:t>
+            </a:r>
+            <a:endParaRPr lang="en-US" altLang="zh-CN"/>
+          </a:p>
+        </p:txBody>
+      </p:sp>
+      <p:sp>
+        <p:nvSpPr>
+          <p:cNvPr id="3" name="内容占位符 2"/>
+          <p:cNvSpPr>
+            <a:spLocks noGrp="1"/>
+          </p:cNvSpPr>
+          <p:nvPr>
+            <p:ph idx="1"/>
+          </p:nvPr>
+        </p:nvSpPr>
+        <p:spPr>
+          <a:xfrm>
+            <a:off x="838200" y="1825625"/>
+            <a:ext cx="4494530" cy="4351655"/>
+          </a:xfrm>
+        </p:spPr>
+        <p:txBody>
+          <a:bodyPr/>
+          <a:p>
+            <a:r>
+              <a:rPr lang="zh-CN" altLang="en-US" sz="2400"/>
+              <a:t>对任意的</a:t>
+            </a:r>
+            <a:r>
+              <a:rPr lang="en-US" altLang="zh-CN" sz="2400"/>
+              <a:t>n, t, </a:t>
+            </a:r>
+            <a:r>
+              <a:rPr lang="zh-CN" altLang="en-US" sz="2400"/>
+              <a:t>比较次数不超过</a:t>
+            </a:r>
+            <a:r>
+              <a:rPr lang="en-US" altLang="zh-CN" sz="2400"/>
+              <a:t>5.2n</a:t>
+            </a:r>
+            <a:endParaRPr lang="en-US" altLang="zh-CN" sz="2400"/>
+          </a:p>
+          <a:p>
+            <a:r>
+              <a:rPr lang="zh-CN" altLang="en-US" sz="2400"/>
+              <a:t>平均次数不超过</a:t>
+            </a:r>
+            <a:endParaRPr lang="zh-CN" altLang="en-US" sz="2400"/>
+          </a:p>
+          <a:p>
+            <a:pPr marL="0" indent="0">
+              <a:buNone/>
+            </a:pPr>
+            <a:r>
+              <a:rPr lang="en-US" altLang="zh-CN" sz="2400"/>
+              <a:t>    n + min(t, n + 1 - t) + o(n)</a:t>
+            </a:r>
+            <a:endParaRPr lang="en-US" altLang="zh-CN" sz="2400"/>
+          </a:p>
+          <a:p>
+            <a:r>
+              <a:rPr lang="zh-CN" altLang="en-US" sz="2400"/>
+              <a:t>中位数可以做到</a:t>
+            </a:r>
+            <a:endParaRPr lang="zh-CN" altLang="en-US" sz="2400"/>
+          </a:p>
+          <a:p>
+            <a:pPr marL="0" indent="0">
+              <a:buNone/>
+            </a:pPr>
+            <a:r>
+              <a:rPr lang="en-US" altLang="zh-CN" sz="2400"/>
+              <a:t>    1.5n + O(n</a:t>
+            </a:r>
+            <a:r>
+              <a:rPr lang="en-US" altLang="zh-CN" sz="2400" baseline="30000"/>
+              <a:t>2/3</a:t>
+            </a:r>
+            <a:r>
+              <a:rPr lang="en-US" altLang="zh-CN" sz="2400"/>
+              <a:t> log n)</a:t>
+            </a:r>
+            <a:endParaRPr lang="en-US" altLang="zh-CN" sz="2400"/>
+          </a:p>
+          <a:p>
+            <a:pPr marL="0" indent="0">
+              <a:buNone/>
+            </a:pPr>
+            <a:r>
+              <a:rPr lang="en-US" altLang="zh-CN" sz="2400"/>
+              <a:t>    </a:t>
+            </a:r>
+            <a:r>
+              <a:rPr lang="zh-CN" altLang="en-US" sz="2400"/>
+              <a:t>平均</a:t>
+            </a:r>
+            <a:r>
+              <a:rPr lang="en-US" altLang="zh-CN" sz="2400"/>
+              <a:t>1.25n + o(n)</a:t>
+            </a:r>
+            <a:endParaRPr lang="en-US" altLang="zh-CN" sz="2400"/>
+          </a:p>
+        </p:txBody>
+      </p:sp>
+      <p:pic>
+        <p:nvPicPr>
+          <p:cNvPr id="4" name="图片 3" descr="16"/>
+          <p:cNvPicPr>
+            <a:picLocks noChangeAspect="1"/>
+          </p:cNvPicPr>
+          <p:nvPr/>
+        </p:nvPicPr>
+        <p:blipFill>
+          <a:blip r:embed="rId1"/>
+          <a:stretch>
+            <a:fillRect/>
+          </a:stretch>
+        </p:blipFill>
+        <p:spPr>
+          <a:xfrm>
+            <a:off x="5271770" y="2183130"/>
+            <a:ext cx="6082030" cy="3399790"/>
+          </a:xfrm>
+          <a:prstGeom prst="rect">
+            <a:avLst/>
+          </a:prstGeom>
+        </p:spPr>
+      </p:pic>
+    </p:spTree>
+  </p:cSld>
+  <p:clrMapOvr>
+    <a:masterClrMapping/>
+  </p:clrMapOvr>
+</p:sld>
+</file>
+
+<file path=ppt/slides/slide18.xml><?xml version="1.0" encoding="utf-8"?>
+<p:sld xmlns:a="http://schemas.openxmlformats.org/drawingml/2006/main" xmlns:r="http://schemas.openxmlformats.org/officeDocument/2006/relationships" xmlns:p="http://schemas.openxmlformats.org/presentationml/2006/main">
+  <p:cSld>
+    <p:spTree>
+      <p:nvGrpSpPr>
+        <p:cNvPr id="1" name=""/>
+        <p:cNvGrpSpPr/>
+        <p:nvPr/>
+      </p:nvGrpSpPr>
+      <p:grpSpPr/>
+      <p:sp>
+        <p:nvSpPr>
+          <p:cNvPr id="2" name="标题 1"/>
+          <p:cNvSpPr>
+            <a:spLocks noGrp="1"/>
+          </p:cNvSpPr>
+          <p:nvPr>
+            <p:ph type="title"/>
+          </p:nvPr>
+        </p:nvSpPr>
+        <p:spPr/>
+        <p:txBody>
+          <a:bodyPr/>
+          <a:p>
+            <a:r>
+              <a:rPr lang="en-US" altLang="zh-CN"/>
+              <a:t>Automaton</a:t>
+            </a:r>
+            <a:endParaRPr lang="en-US" altLang="zh-CN"/>
+          </a:p>
+        </p:txBody>
+      </p:sp>
+      <p:sp>
+        <p:nvSpPr>
+          <p:cNvPr id="3" name="内容占位符 2"/>
+          <p:cNvSpPr>
+            <a:spLocks noGrp="1"/>
+          </p:cNvSpPr>
+          <p:nvPr>
+            <p:ph idx="1"/>
+          </p:nvPr>
+        </p:nvSpPr>
+        <p:spPr/>
+        <p:txBody>
+          <a:bodyPr/>
+          <a:p>
+            <a:r>
+              <a:rPr lang="en-US" altLang="zh-CN"/>
+              <a:t>in situ</a:t>
+            </a:r>
+            <a:r>
+              <a:rPr lang="zh-CN" altLang="en-US"/>
+              <a:t>排列可以通过自动机实现</a:t>
+            </a:r>
+            <a:endParaRPr lang="en-US" altLang="zh-CN"/>
+          </a:p>
+        </p:txBody>
+      </p:sp>
+      <p:pic>
+        <p:nvPicPr>
+          <p:cNvPr id="4" name="图片 3" descr="C:\Users\AndrewHuang\Documents\GitHub\course_pku\Algorithm Design and Analysis\seminar\pre\paper\17.png17"/>
+          <p:cNvPicPr>
+            <a:picLocks noChangeAspect="1"/>
+          </p:cNvPicPr>
+          <p:nvPr/>
+        </p:nvPicPr>
+        <p:blipFill>
+          <a:blip r:embed="rId1"/>
+          <a:srcRect/>
+          <a:stretch>
+            <a:fillRect/>
+          </a:stretch>
+        </p:blipFill>
+        <p:spPr>
+          <a:xfrm>
+            <a:off x="2753995" y="2875915"/>
+            <a:ext cx="6683375" cy="2250440"/>
+          </a:xfrm>
+          <a:prstGeom prst="rect">
+            <a:avLst/>
+          </a:prstGeom>
+        </p:spPr>
+      </p:pic>
+    </p:spTree>
+  </p:cSld>
+  <p:clrMapOvr>
+    <a:masterClrMapping/>
+  </p:clrMapOvr>
+</p:sld>
+</file>
+
+<file path=ppt/slides/slide19.xml><?xml version="1.0" encoding="utf-8"?>
+<p:sld xmlns:a="http://schemas.openxmlformats.org/drawingml/2006/main" xmlns:r="http://schemas.openxmlformats.org/officeDocument/2006/relationships" xmlns:p="http://schemas.openxmlformats.org/presentationml/2006/main">
+  <p:cSld>
+    <p:spTree>
+      <p:nvGrpSpPr>
+        <p:cNvPr id="1" name=""/>
+        <p:cNvGrpSpPr/>
+        <p:nvPr/>
+      </p:nvGrpSpPr>
+      <p:grpSpPr/>
+      <p:sp>
+        <p:nvSpPr>
+          <p:cNvPr id="2" name="标题 1"/>
+          <p:cNvSpPr>
+            <a:spLocks noGrp="1"/>
+          </p:cNvSpPr>
+          <p:nvPr>
+            <p:ph type="title"/>
+          </p:nvPr>
+        </p:nvSpPr>
+        <p:spPr/>
+        <p:txBody>
+          <a:bodyPr/>
+          <a:p>
+            <a:r>
+              <a:rPr lang="en-US" altLang="zh-CN"/>
+              <a:t>Automaton-Σ</a:t>
+            </a:r>
+            <a:endParaRPr lang="en-US" altLang="zh-CN"/>
+          </a:p>
+        </p:txBody>
+      </p:sp>
+      <p:sp>
+        <p:nvSpPr>
+          <p:cNvPr id="3" name="内容占位符 2"/>
+          <p:cNvSpPr>
+            <a:spLocks noGrp="1"/>
+          </p:cNvSpPr>
+          <p:nvPr>
+            <p:ph idx="1"/>
+          </p:nvPr>
+        </p:nvSpPr>
+        <p:spPr/>
+        <p:txBody>
+          <a:bodyPr/>
+          <a:p>
+            <a:r>
+              <a:rPr lang="en-US" altLang="zh-CN"/>
+              <a:t>0: </a:t>
+            </a:r>
+            <a:r>
+              <a:rPr lang="zh-CN" altLang="en-US"/>
+              <a:t>对应第一行的循环</a:t>
+            </a:r>
+            <a:endParaRPr lang="zh-CN" altLang="en-US"/>
+          </a:p>
+          <a:p>
+            <a:r>
+              <a:rPr lang="en-US" altLang="zh-CN"/>
+              <a:t>1: </a:t>
+            </a:r>
+            <a:r>
+              <a:rPr lang="zh-CN" altLang="en-US"/>
+              <a:t>验证它是否是</a:t>
+            </a:r>
+            <a:r>
+              <a:rPr lang="en-US" altLang="zh-CN"/>
+              <a:t>cycle leader</a:t>
+            </a:r>
+            <a:endParaRPr lang="en-US" altLang="zh-CN"/>
+          </a:p>
+          <a:p>
+            <a:r>
+              <a:rPr lang="en-US" altLang="zh-CN"/>
+              <a:t>2: </a:t>
+            </a:r>
+            <a:r>
+              <a:rPr lang="zh-CN" altLang="en-US"/>
+              <a:t>交换元素</a:t>
+            </a:r>
+            <a:endParaRPr lang="zh-CN" altLang="en-US"/>
+          </a:p>
+        </p:txBody>
+      </p:sp>
+      <p:pic>
+        <p:nvPicPr>
+          <p:cNvPr id="4" name="图片 3" descr="18"/>
+          <p:cNvPicPr>
+            <a:picLocks noChangeAspect="1"/>
+          </p:cNvPicPr>
+          <p:nvPr/>
+        </p:nvPicPr>
+        <p:blipFill>
+          <a:blip r:embed="rId1"/>
+          <a:stretch>
+            <a:fillRect/>
+          </a:stretch>
+        </p:blipFill>
+        <p:spPr>
+          <a:xfrm>
+            <a:off x="5445125" y="1424305"/>
+            <a:ext cx="5908675" cy="4008755"/>
+          </a:xfrm>
+          <a:prstGeom prst="rect">
+            <a:avLst/>
+          </a:prstGeom>
+        </p:spPr>
+      </p:pic>
     </p:spTree>
   </p:cSld>
   <p:clrMapOvr>
@@ -3143,6 +4175,104 @@
           <a:xfrm>
             <a:off x="1128395" y="2448560"/>
             <a:ext cx="10504805" cy="3105785"/>
+          </a:xfrm>
+          <a:prstGeom prst="rect">
+            <a:avLst/>
+          </a:prstGeom>
+        </p:spPr>
+      </p:pic>
+    </p:spTree>
+  </p:cSld>
+  <p:clrMapOvr>
+    <a:masterClrMapping/>
+  </p:clrMapOvr>
+</p:sld>
+</file>
+
+<file path=ppt/slides/slide20.xml><?xml version="1.0" encoding="utf-8"?>
+<p:sld xmlns:a="http://schemas.openxmlformats.org/drawingml/2006/main" xmlns:r="http://schemas.openxmlformats.org/officeDocument/2006/relationships" xmlns:p="http://schemas.openxmlformats.org/presentationml/2006/main">
+  <p:cSld>
+    <p:spTree>
+      <p:nvGrpSpPr>
+        <p:cNvPr id="1" name=""/>
+        <p:cNvGrpSpPr/>
+        <p:nvPr/>
+      </p:nvGrpSpPr>
+      <p:grpSpPr/>
+      <p:sp>
+        <p:nvSpPr>
+          <p:cNvPr id="2" name="标题 1"/>
+          <p:cNvSpPr>
+            <a:spLocks noGrp="1"/>
+          </p:cNvSpPr>
+          <p:nvPr>
+            <p:ph type="title"/>
+          </p:nvPr>
+        </p:nvSpPr>
+        <p:spPr/>
+        <p:txBody>
+          <a:bodyPr/>
+          <a:p>
+            <a:r>
+              <a:rPr lang="en-US" altLang="zh-CN"/>
+              <a:t>Automaton-δ</a:t>
+            </a:r>
+            <a:endParaRPr lang="en-US" altLang="zh-CN"/>
+          </a:p>
+        </p:txBody>
+      </p:sp>
+      <p:sp>
+        <p:nvSpPr>
+          <p:cNvPr id="3" name="内容占位符 2"/>
+          <p:cNvSpPr>
+            <a:spLocks noGrp="1"/>
+          </p:cNvSpPr>
+          <p:nvPr>
+            <p:ph idx="1"/>
+          </p:nvPr>
+        </p:nvSpPr>
+        <p:spPr/>
+        <p:txBody>
+          <a:bodyPr/>
+          <a:p>
+            <a:r>
+              <a:rPr lang="zh-CN" altLang="en-US"/>
+              <a:t>起始状态</a:t>
+            </a:r>
+            <a:r>
+              <a:rPr lang="en-US" altLang="zh-CN"/>
+              <a:t>(0, 1), </a:t>
+            </a:r>
+            <a:r>
+              <a:rPr lang="zh-CN" altLang="en-US"/>
+              <a:t>终止状态</a:t>
+            </a:r>
+            <a:r>
+              <a:rPr lang="en-US" altLang="zh-CN"/>
+              <a:t>(0, n + 1)</a:t>
+            </a:r>
+            <a:endParaRPr lang="en-US" altLang="zh-CN"/>
+          </a:p>
+        </p:txBody>
+      </p:sp>
+      <p:pic>
+        <p:nvPicPr>
+          <p:cNvPr id="4" name="图片 3" descr="19"/>
+          <p:cNvPicPr>
+            <a:picLocks noChangeAspect="1"/>
+          </p:cNvPicPr>
+          <p:nvPr/>
+        </p:nvPicPr>
+        <p:blipFill>
+          <a:blip r:embed="rId1"/>
+          <a:stretch>
+            <a:fillRect/>
+          </a:stretch>
+        </p:blipFill>
+        <p:spPr>
+          <a:xfrm>
+            <a:off x="1066800" y="2396490"/>
+            <a:ext cx="10058400" cy="3780790"/>
           </a:xfrm>
           <a:prstGeom prst="rect">
             <a:avLst/>
@@ -3268,7 +4398,7 @@
       </p:sp>
       <p:pic>
         <p:nvPicPr>
-          <p:cNvPr id="6" name="图片 5" descr="2"/>
+          <p:cNvPr id="6" name="图片 5" descr="C:\Users\AndrewHuang\Documents\GitHub\course_pku\Algorithm Design and Analysis\seminar\pre\paper\2.png2"/>
           <p:cNvPicPr>
             <a:picLocks noChangeAspect="1"/>
           </p:cNvPicPr>
@@ -3276,14 +4406,15 @@
         </p:nvPicPr>
         <p:blipFill>
           <a:blip r:embed="rId1"/>
+          <a:srcRect/>
           <a:stretch>
             <a:fillRect/>
           </a:stretch>
         </p:blipFill>
         <p:spPr>
           <a:xfrm>
-            <a:off x="1235075" y="2504440"/>
-            <a:ext cx="9022080" cy="1226185"/>
+            <a:off x="1235075" y="2456815"/>
+            <a:ext cx="8970645" cy="1264920"/>
           </a:xfrm>
           <a:prstGeom prst="rect">
             <a:avLst/>
@@ -3292,7 +4423,7 @@
       </p:pic>
       <p:pic>
         <p:nvPicPr>
-          <p:cNvPr id="7" name="图片 6" descr="3"/>
+          <p:cNvPr id="7" name="图片 6" descr="C:\Users\AndrewHuang\Documents\GitHub\course_pku\Algorithm Design and Analysis\seminar\pre\paper\3.png3"/>
           <p:cNvPicPr>
             <a:picLocks noChangeAspect="1"/>
           </p:cNvPicPr>
@@ -3300,14 +4431,15 @@
         </p:nvPicPr>
         <p:blipFill>
           <a:blip r:embed="rId2"/>
+          <a:srcRect/>
           <a:stretch>
             <a:fillRect/>
           </a:stretch>
         </p:blipFill>
         <p:spPr>
           <a:xfrm>
-            <a:off x="1235075" y="4487545"/>
-            <a:ext cx="7551420" cy="995045"/>
+            <a:off x="1235075" y="4488180"/>
+            <a:ext cx="8242300" cy="1116965"/>
           </a:xfrm>
           <a:prstGeom prst="rect">
             <a:avLst/>
